--- a/Figure-4-5/Figure45/Figure45_fullpage.pptx
+++ b/Figure-4-5/Figure45/Figure45_fullpage.pptx
@@ -516,6 +516,126 @@
               <a:rPr/>
               <a:t>Title:</a:t>
             </a:r>
+            <a:r>
+              <a:rPr/>
+              <a:t> </a:t>
+            </a:r>
+            <a:r>
+              <a:rPr/>
+              <a:t>Voluntary</a:t>
+            </a:r>
+            <a:r>
+              <a:rPr/>
+              <a:t> </a:t>
+            </a:r>
+            <a:r>
+              <a:rPr/>
+              <a:t>pre-tax</a:t>
+            </a:r>
+            <a:r>
+              <a:rPr/>
+              <a:t> </a:t>
+            </a:r>
+            <a:r>
+              <a:rPr/>
+              <a:t>contributions</a:t>
+            </a:r>
+            <a:r>
+              <a:rPr/>
+              <a:t> </a:t>
+            </a:r>
+            <a:r>
+              <a:rPr/>
+              <a:t>are</a:t>
+            </a:r>
+            <a:r>
+              <a:rPr/>
+              <a:t> </a:t>
+            </a:r>
+            <a:r>
+              <a:rPr/>
+              <a:t>mostly</a:t>
+            </a:r>
+            <a:r>
+              <a:rPr/>
+              <a:t> </a:t>
+            </a:r>
+            <a:r>
+              <a:rPr/>
+              <a:t>made</a:t>
+            </a:r>
+            <a:r>
+              <a:rPr/>
+              <a:t> </a:t>
+            </a:r>
+            <a:r>
+              <a:rPr/>
+              <a:t>by</a:t>
+            </a:r>
+            <a:r>
+              <a:rPr/>
+              <a:t> </a:t>
+            </a:r>
+            <a:r>
+              <a:rPr/>
+              <a:t>those</a:t>
+            </a:r>
+            <a:r>
+              <a:rPr/>
+              <a:t> </a:t>
+            </a:r>
+            <a:r>
+              <a:rPr/>
+              <a:t>who</a:t>
+            </a:r>
+            <a:r>
+              <a:rPr/>
+              <a:t> </a:t>
+            </a:r>
+            <a:r>
+              <a:rPr/>
+              <a:t>are</a:t>
+            </a:r>
+            <a:r>
+              <a:rPr/>
+              <a:t> </a:t>
+            </a:r>
+            <a:r>
+              <a:rPr/>
+              <a:t>older</a:t>
+            </a:r>
+            <a:r>
+              <a:rPr/>
+              <a:t> </a:t>
+            </a:r>
+            <a:r>
+              <a:rPr/>
+              <a:t>and</a:t>
+            </a:r>
+            <a:r>
+              <a:rPr/>
+              <a:t> </a:t>
+            </a:r>
+            <a:r>
+              <a:rPr/>
+              <a:t>on</a:t>
+            </a:r>
+            <a:r>
+              <a:rPr/>
+              <a:t> </a:t>
+            </a:r>
+            <a:r>
+              <a:rPr/>
+              <a:t>high</a:t>
+            </a:r>
+            <a:r>
+              <a:rPr/>
+              <a:t> </a:t>
+            </a:r>
+            <a:r>
+              <a:rPr/>
+              <a:t>incomes</a:t>
+            </a:r>
           </a:p>
           <a:p>
             <a:pPr lvl="0" marL="0" indent="0">
@@ -529,6 +649,340 @@
             <a:r>
               <a:rPr/>
               <a:t>Subtitle:</a:t>
+            </a:r>
+            <a:r>
+              <a:rPr/>
+              <a:t> </a:t>
+            </a:r>
+            <a:r>
+              <a:rPr/>
+              <a:t>Percentage</a:t>
+            </a:r>
+            <a:r>
+              <a:rPr/>
+              <a:t> </a:t>
+            </a:r>
+            <a:r>
+              <a:rPr/>
+              <a:t>of</a:t>
+            </a:r>
+            <a:r>
+              <a:rPr/>
+              <a:t> </a:t>
+            </a:r>
+            <a:r>
+              <a:rPr/>
+              <a:t>voluntary</a:t>
+            </a:r>
+            <a:r>
+              <a:rPr/>
+              <a:t> </a:t>
+            </a:r>
+            <a:r>
+              <a:rPr/>
+              <a:t>pre-tax</a:t>
+            </a:r>
+            <a:r>
+              <a:rPr/>
+              <a:t> </a:t>
+            </a:r>
+            <a:r>
+              <a:rPr/>
+              <a:t>contributions,</a:t>
+            </a:r>
+            <a:r>
+              <a:rPr/>
+              <a:t> </a:t>
+            </a:r>
+            <a:r>
+              <a:rPr/>
+              <a:t>(2020-21)</a:t>
+            </a:r>
+          </a:p>
+          <a:p>
+            <a:pPr lvl="0" marL="0" indent="0">
+              <a:buNone/>
+            </a:pPr>
+          </a:p>
+          <a:p>
+            <a:pPr lvl="0" marL="0" indent="0">
+              <a:buNone/>
+            </a:pPr>
+            <a:r>
+              <a:rPr/>
+              <a:t>Notes:</a:t>
+            </a:r>
+            <a:r>
+              <a:rPr/>
+              <a:t> </a:t>
+            </a:r>
+            <a:r>
+              <a:rPr/>
+              <a:t>Projections</a:t>
+            </a:r>
+            <a:r>
+              <a:rPr/>
+              <a:t> </a:t>
+            </a:r>
+            <a:r>
+              <a:rPr/>
+              <a:t>to</a:t>
+            </a:r>
+            <a:r>
+              <a:rPr/>
+              <a:t> </a:t>
+            </a:r>
+            <a:r>
+              <a:rPr/>
+              <a:t>2020-21</a:t>
+            </a:r>
+            <a:r>
+              <a:rPr/>
+              <a:t> </a:t>
+            </a:r>
+            <a:r>
+              <a:rPr/>
+              <a:t>assume</a:t>
+            </a:r>
+            <a:r>
+              <a:rPr/>
+              <a:t> </a:t>
+            </a:r>
+            <a:r>
+              <a:rPr/>
+              <a:t>2%</a:t>
+            </a:r>
+            <a:r>
+              <a:rPr/>
+              <a:t> </a:t>
+            </a:r>
+            <a:r>
+              <a:rPr/>
+              <a:t>wage</a:t>
+            </a:r>
+            <a:r>
+              <a:rPr/>
+              <a:t> </a:t>
+            </a:r>
+            <a:r>
+              <a:rPr/>
+              <a:t>growth</a:t>
+            </a:r>
+            <a:r>
+              <a:rPr/>
+              <a:t> </a:t>
+            </a:r>
+            <a:r>
+              <a:rPr/>
+              <a:t>and</a:t>
+            </a:r>
+            <a:r>
+              <a:rPr/>
+              <a:t> </a:t>
+            </a:r>
+            <a:r>
+              <a:rPr/>
+              <a:t>0%</a:t>
+            </a:r>
+            <a:r>
+              <a:rPr/>
+              <a:t> </a:t>
+            </a:r>
+            <a:r>
+              <a:rPr/>
+              <a:t>growth</a:t>
+            </a:r>
+            <a:r>
+              <a:rPr/>
+              <a:t> </a:t>
+            </a:r>
+            <a:r>
+              <a:rPr/>
+              <a:t>in</a:t>
+            </a:r>
+            <a:r>
+              <a:rPr/>
+              <a:t> </a:t>
+            </a:r>
+            <a:r>
+              <a:rPr/>
+              <a:t>the</a:t>
+            </a:r>
+            <a:r>
+              <a:rPr/>
+              <a:t> </a:t>
+            </a:r>
+            <a:r>
+              <a:rPr/>
+              <a:t>number</a:t>
+            </a:r>
+            <a:r>
+              <a:rPr/>
+              <a:t> </a:t>
+            </a:r>
+            <a:r>
+              <a:rPr/>
+              <a:t>of</a:t>
+            </a:r>
+            <a:r>
+              <a:rPr/>
+              <a:t> </a:t>
+            </a:r>
+            <a:r>
+              <a:rPr/>
+              <a:t>taxfilers</a:t>
+            </a:r>
+            <a:r>
+              <a:rPr/>
+              <a:t> </a:t>
+            </a:r>
+            <a:r>
+              <a:rPr/>
+              <a:t>from</a:t>
+            </a:r>
+            <a:r>
+              <a:rPr/>
+              <a:t> </a:t>
+            </a:r>
+            <a:r>
+              <a:rPr/>
+              <a:t>2019-20</a:t>
+            </a:r>
+            <a:r>
+              <a:rPr/>
+              <a:t> </a:t>
+            </a:r>
+            <a:r>
+              <a:rPr/>
+              <a:t>to</a:t>
+            </a:r>
+            <a:r>
+              <a:rPr/>
+              <a:t> </a:t>
+            </a:r>
+            <a:r>
+              <a:rPr/>
+              <a:t>2020-21.</a:t>
+            </a:r>
+            <a:r>
+              <a:rPr/>
+              <a:t> </a:t>
+            </a:r>
+            <a:r>
+              <a:rPr/>
+              <a:t>Voluntary</a:t>
+            </a:r>
+            <a:r>
+              <a:rPr/>
+              <a:t> </a:t>
+            </a:r>
+            <a:r>
+              <a:rPr/>
+              <a:t>pre-tax</a:t>
+            </a:r>
+            <a:r>
+              <a:rPr/>
+              <a:t> </a:t>
+            </a:r>
+            <a:r>
+              <a:rPr/>
+              <a:t>contributions</a:t>
+            </a:r>
+            <a:r>
+              <a:rPr/>
+              <a:t> </a:t>
+            </a:r>
+            <a:r>
+              <a:rPr/>
+              <a:t>means</a:t>
+            </a:r>
+            <a:r>
+              <a:rPr/>
+              <a:t> </a:t>
+            </a:r>
+            <a:r>
+              <a:rPr/>
+              <a:t>concessional</a:t>
+            </a:r>
+            <a:r>
+              <a:rPr/>
+              <a:t> </a:t>
+            </a:r>
+            <a:r>
+              <a:rPr/>
+              <a:t>contributions</a:t>
+            </a:r>
+            <a:r>
+              <a:rPr/>
+              <a:t> </a:t>
+            </a:r>
+            <a:r>
+              <a:rPr/>
+              <a:t>less</a:t>
+            </a:r>
+            <a:r>
+              <a:rPr/>
+              <a:t> </a:t>
+            </a:r>
+            <a:r>
+              <a:rPr/>
+              <a:t>SG</a:t>
+            </a:r>
+            <a:r>
+              <a:rPr/>
+              <a:t> </a:t>
+            </a:r>
+            <a:r>
+              <a:rPr/>
+              <a:t>contributions.</a:t>
+            </a:r>
+            <a:r>
+              <a:rPr/>
+              <a:t> </a:t>
+            </a:r>
+            <a:r>
+              <a:rPr/>
+              <a:t>Source:</a:t>
+            </a:r>
+            <a:r>
+              <a:rPr/>
+              <a:t> </a:t>
+            </a:r>
+            <a:r>
+              <a:rPr/>
+              <a:t>ATO</a:t>
+            </a:r>
+            <a:r>
+              <a:rPr/>
+              <a:t> </a:t>
+            </a:r>
+            <a:r>
+              <a:rPr/>
+              <a:t>2017-18</a:t>
+            </a:r>
+            <a:r>
+              <a:rPr/>
+              <a:t> </a:t>
+            </a:r>
+            <a:r>
+              <a:rPr/>
+              <a:t>2%</a:t>
+            </a:r>
+            <a:r>
+              <a:rPr/>
+              <a:t> </a:t>
+            </a:r>
+            <a:r>
+              <a:rPr/>
+              <a:t>sample</a:t>
+            </a:r>
+            <a:r>
+              <a:rPr/>
+              <a:t> </a:t>
+            </a:r>
+            <a:r>
+              <a:rPr/>
+              <a:t>file</a:t>
             </a:r>
           </a:p>
           <a:p>
@@ -3439,7 +3893,7 @@
           <a:p>
             <a:r>
               <a:rPr/>
-              <a:t> </a:t>
+              <a:t>Voluntary pre-tax contributions are mostly made by those who are older and on high incomes</a:t>
             </a:r>
           </a:p>
         </p:txBody>
@@ -3466,7 +3920,7 @@
           <a:p>
             <a:r>
               <a:rPr/>
-              <a:t> </a:t>
+              <a:t>Percentage of voluntary pre-tax contributions, (2020-21)</a:t>
             </a:r>
           </a:p>
         </p:txBody>
